--- a/doc/G02.pptx
+++ b/doc/G02.pptx
@@ -25856,8 +25856,8 @@
         </p:nvSpPr>
         <p:spPr>
           <a:xfrm>
-            <a:off x="3420395" y="2611647"/>
-            <a:ext cx="3312001" cy="292327"/>
+            <a:off x="3248679" y="2611648"/>
+            <a:ext cx="3611776" cy="381748"/>
           </a:xfrm>
           <a:prstGeom prst="rect">
             <a:avLst/>
@@ -26032,15 +26032,8 @@
                   </a:outerShdw>
                 </a:effectLst>
                 <a:ea typeface="微软雅黑 Light" panose="020B0502040204020203" pitchFamily="34" charset="-122"/>
-                <a:hlinkClick r:id="rId7">
-                  <a:extLst>
-                    <a:ext uri="{A12FA001-AC4F-418D-AE19-62706E023703}">
-                      <ahyp:hlinkClr xmlns:ahyp="http://schemas.microsoft.com/office/drawing/2018/hyperlinkcolor" val="tx"/>
-                    </a:ext>
-                  </a:extLst>
-                </a:hlinkClick>
               </a:rPr>
-              <a:t>https://discord.gg/q3mGaVAz</a:t>
+              <a:t>https://discord.gg/ewvGXG8nPJ</a:t>
             </a:r>
             <a:endParaRPr lang="zh-CN" altLang="en-US" sz="1500" b="1" i="1" u="sng" spc="300" dirty="0">
               <a:effectLst>
